--- a/Simple introduction.pptx
+++ b/Simple introduction.pptx
@@ -5,10 +5,10 @@
     <p:sldMasterId id="2147483648" r:id="rId1"/>
   </p:sldMasterIdLst>
   <p:notesMasterIdLst>
-    <p:notesMasterId r:id="rId18"/>
+    <p:notesMasterId r:id="rId17"/>
   </p:notesMasterIdLst>
   <p:handoutMasterIdLst>
-    <p:handoutMasterId r:id="rId19"/>
+    <p:handoutMasterId r:id="rId18"/>
   </p:handoutMasterIdLst>
   <p:sldIdLst>
     <p:sldId id="436" r:id="rId2"/>
@@ -26,7 +26,6 @@
     <p:sldId id="448" r:id="rId14"/>
     <p:sldId id="477" r:id="rId15"/>
     <p:sldId id="449" r:id="rId16"/>
-    <p:sldId id="288" r:id="rId17"/>
   </p:sldIdLst>
   <p:sldSz cx="9144000" cy="5143500" type="screen16x9"/>
   <p:notesSz cx="6858000" cy="9144000"/>
@@ -226,7 +225,7 @@
           <a:p>
             <a:fld id="{0F9B84EA-7D68-4D60-9CB1-D50884785D1C}" type="datetimeFigureOut">
               <a:rPr lang="zh-CN" altLang="en-US" smtClean="0"/>
-              <a:t>2024/10/23</a:t>
+              <a:t>2024/10/24</a:t>
             </a:fld>
             <a:endParaRPr lang="zh-CN" altLang="en-US"/>
           </a:p>
@@ -391,7 +390,7 @@
           <a:p>
             <a:fld id="{D2A48B96-639E-45A3-A0BA-2464DFDB1FAA}" type="datetimeFigureOut">
               <a:rPr lang="zh-CN" altLang="en-US" smtClean="0"/>
-              <a:t>2024/10/23</a:t>
+              <a:t>2024/10/24</a:t>
             </a:fld>
             <a:endParaRPr lang="zh-CN" altLang="en-US"/>
           </a:p>
@@ -1241,85 +1240,6 @@
 </p:notes>
 </file>
 
-<file path=ppt/notesSlides/notesSlide16.xml><?xml version="1.0" encoding="utf-8"?>
-<p:notes xmlns:a="http://schemas.openxmlformats.org/drawingml/2006/main" xmlns:r="http://schemas.openxmlformats.org/officeDocument/2006/relationships" xmlns:p="http://schemas.openxmlformats.org/presentationml/2006/main">
-  <p:cSld>
-    <p:spTree>
-      <p:nvGrpSpPr>
-        <p:cNvPr id="1" name=""/>
-        <p:cNvGrpSpPr/>
-        <p:nvPr/>
-      </p:nvGrpSpPr>
-      <p:grpSpPr>
-        <a:xfrm>
-          <a:off x="0" y="0"/>
-          <a:ext cx="0" cy="0"/>
-          <a:chOff x="0" y="0"/>
-          <a:chExt cx="0" cy="0"/>
-        </a:xfrm>
-      </p:grpSpPr>
-      <p:sp>
-        <p:nvSpPr>
-          <p:cNvPr id="2" name="幻灯片图像占位符 1"/>
-          <p:cNvSpPr>
-            <a:spLocks noGrp="1" noRot="1" noChangeAspect="1"/>
-          </p:cNvSpPr>
-          <p:nvPr>
-            <p:ph type="sldImg"/>
-          </p:nvPr>
-        </p:nvSpPr>
-        <p:spPr/>
-      </p:sp>
-      <p:sp>
-        <p:nvSpPr>
-          <p:cNvPr id="3" name="备注占位符 2"/>
-          <p:cNvSpPr>
-            <a:spLocks noGrp="1"/>
-          </p:cNvSpPr>
-          <p:nvPr>
-            <p:ph type="body" idx="1"/>
-          </p:nvPr>
-        </p:nvSpPr>
-        <p:spPr/>
-        <p:txBody>
-          <a:bodyPr/>
-          <a:lstStyle/>
-          <a:p>
-            <a:endParaRPr lang="zh-CN" altLang="en-US"/>
-          </a:p>
-        </p:txBody>
-      </p:sp>
-      <p:sp>
-        <p:nvSpPr>
-          <p:cNvPr id="4" name="灯片编号占位符 3"/>
-          <p:cNvSpPr>
-            <a:spLocks noGrp="1"/>
-          </p:cNvSpPr>
-          <p:nvPr>
-            <p:ph type="sldNum" sz="quarter" idx="10"/>
-          </p:nvPr>
-        </p:nvSpPr>
-        <p:spPr/>
-        <p:txBody>
-          <a:bodyPr/>
-          <a:lstStyle/>
-          <a:p>
-            <a:fld id="{A6837353-30EB-4A48-80EB-173D804AEFBD}" type="slidenum">
-              <a:rPr lang="zh-CN" altLang="en-US" smtClean="0"/>
-              <a:t>16</a:t>
-            </a:fld>
-            <a:endParaRPr lang="zh-CN" altLang="en-US"/>
-          </a:p>
-        </p:txBody>
-      </p:sp>
-    </p:spTree>
-  </p:cSld>
-  <p:clrMapOvr>
-    <a:masterClrMapping/>
-  </p:clrMapOvr>
-</p:notes>
-</file>
-
 <file path=ppt/notesSlides/notesSlide2.xml><?xml version="1.0" encoding="utf-8"?>
 <p:notes xmlns:a="http://schemas.openxmlformats.org/drawingml/2006/main" xmlns:r="http://schemas.openxmlformats.org/officeDocument/2006/relationships" xmlns:p="http://schemas.openxmlformats.org/presentationml/2006/main">
   <p:cSld>
@@ -2121,7 +2041,7 @@
           <a:p>
             <a:fld id="{82F288E0-7875-42C4-84C8-98DBBD3BF4D2}" type="datetimeFigureOut">
               <a:rPr lang="zh-CN" altLang="en-US" smtClean="0"/>
-              <a:t>2024/10/23</a:t>
+              <a:t>2024/10/24</a:t>
             </a:fld>
             <a:endParaRPr lang="zh-CN" altLang="en-US"/>
           </a:p>
@@ -2275,7 +2195,7 @@
           <a:p>
             <a:fld id="{82F288E0-7875-42C4-84C8-98DBBD3BF4D2}" type="datetimeFigureOut">
               <a:rPr lang="zh-CN" altLang="en-US" smtClean="0"/>
-              <a:t>2024/10/23</a:t>
+              <a:t>2024/10/24</a:t>
             </a:fld>
             <a:endParaRPr lang="zh-CN" altLang="en-US"/>
           </a:p>
@@ -2409,7 +2329,7 @@
           <a:p>
             <a:fld id="{80F42DC0-2E3F-F440-A3AA-64F0AA1F84F2}" type="datetime1">
               <a:rPr lang="zh-CN" altLang="en-US"/>
-              <a:t>2024/10/23</a:t>
+              <a:t>2024/10/24</a:t>
             </a:fld>
             <a:endParaRPr lang="zh-CN" altLang="en-US" sz="1400">
               <a:solidFill>
@@ -2730,7 +2650,7 @@
           <a:p>
             <a:fld id="{82F288E0-7875-42C4-84C8-98DBBD3BF4D2}" type="datetimeFigureOut">
               <a:rPr lang="zh-CN" altLang="en-US" smtClean="0"/>
-              <a:t>2024/10/23</a:t>
+              <a:t>2024/10/24</a:t>
             </a:fld>
             <a:endParaRPr lang="zh-CN" altLang="en-US"/>
           </a:p>
@@ -2962,7 +2882,7 @@
           <a:p>
             <a:fld id="{82F288E0-7875-42C4-84C8-98DBBD3BF4D2}" type="datetimeFigureOut">
               <a:rPr lang="zh-CN" altLang="en-US" smtClean="0"/>
-              <a:t>2024/10/23</a:t>
+              <a:t>2024/10/24</a:t>
             </a:fld>
             <a:endParaRPr lang="zh-CN" altLang="en-US"/>
           </a:p>
@@ -3329,7 +3249,7 @@
           <a:p>
             <a:fld id="{82F288E0-7875-42C4-84C8-98DBBD3BF4D2}" type="datetimeFigureOut">
               <a:rPr lang="zh-CN" altLang="en-US" smtClean="0"/>
-              <a:t>2024/10/23</a:t>
+              <a:t>2024/10/24</a:t>
             </a:fld>
             <a:endParaRPr lang="zh-CN" altLang="en-US"/>
           </a:p>
@@ -3449,7 +3369,7 @@
           <a:p>
             <a:fld id="{82F288E0-7875-42C4-84C8-98DBBD3BF4D2}" type="datetimeFigureOut">
               <a:rPr lang="zh-CN" altLang="en-US" smtClean="0"/>
-              <a:t>2024/10/23</a:t>
+              <a:t>2024/10/24</a:t>
             </a:fld>
             <a:endParaRPr lang="zh-CN" altLang="en-US"/>
           </a:p>
@@ -3547,7 +3467,7 @@
           <a:p>
             <a:fld id="{82F288E0-7875-42C4-84C8-98DBBD3BF4D2}" type="datetimeFigureOut">
               <a:rPr lang="zh-CN" altLang="en-US" smtClean="0"/>
-              <a:t>2024/10/23</a:t>
+              <a:t>2024/10/24</a:t>
             </a:fld>
             <a:endParaRPr lang="zh-CN" altLang="en-US"/>
           </a:p>
@@ -3802,7 +3722,7 @@
           <a:p>
             <a:fld id="{82F288E0-7875-42C4-84C8-98DBBD3BF4D2}" type="datetimeFigureOut">
               <a:rPr lang="zh-CN" altLang="en-US" smtClean="0"/>
-              <a:t>2024/10/23</a:t>
+              <a:t>2024/10/24</a:t>
             </a:fld>
             <a:endParaRPr lang="zh-CN" altLang="en-US"/>
           </a:p>
@@ -3983,7 +3903,7 @@
           <a:p>
             <a:fld id="{82F288E0-7875-42C4-84C8-98DBBD3BF4D2}" type="datetimeFigureOut">
               <a:rPr lang="zh-CN" altLang="en-US" smtClean="0"/>
-              <a:t>2024/10/23</a:t>
+              <a:t>2024/10/24</a:t>
             </a:fld>
             <a:endParaRPr lang="zh-CN" altLang="en-US"/>
           </a:p>
@@ -4202,7 +4122,7 @@
           <a:p>
             <a:fld id="{82F288E0-7875-42C4-84C8-98DBBD3BF4D2}" type="datetimeFigureOut">
               <a:rPr lang="zh-CN" altLang="en-US" smtClean="0"/>
-              <a:t>2024/10/23</a:t>
+              <a:t>2024/10/24</a:t>
             </a:fld>
             <a:endParaRPr lang="zh-CN" altLang="en-US"/>
           </a:p>
@@ -10839,91 +10759,6 @@
         <p14:creationId xmlns:p14="http://schemas.microsoft.com/office/powerpoint/2010/main" val="3092852760"/>
       </p:ext>
     </p:extLst>
-  </p:cSld>
-  <p:clrMapOvr>
-    <a:masterClrMapping/>
-  </p:clrMapOvr>
-  <mc:AlternateContent xmlns:mc="http://schemas.openxmlformats.org/markup-compatibility/2006" xmlns:p14="http://schemas.microsoft.com/office/powerpoint/2010/main">
-    <mc:Choice Requires="p14">
-      <p:transition p14:dur="0" advClick="0"/>
-    </mc:Choice>
-    <mc:Fallback xmlns="">
-      <p:transition advClick="0"/>
-    </mc:Fallback>
-  </mc:AlternateContent>
-</p:sld>
-</file>
-
-<file path=ppt/slides/slide16.xml><?xml version="1.0" encoding="utf-8"?>
-<p:sld xmlns:a="http://schemas.openxmlformats.org/drawingml/2006/main" xmlns:r="http://schemas.openxmlformats.org/officeDocument/2006/relationships" xmlns:p="http://schemas.openxmlformats.org/presentationml/2006/main">
-  <p:cSld>
-    <p:bg>
-      <p:bgPr>
-        <a:blipFill dpi="0" rotWithShape="1">
-          <a:blip r:embed="rId3">
-            <a:lum/>
-          </a:blip>
-          <a:srcRect/>
-          <a:stretch>
-            <a:fillRect/>
-          </a:stretch>
-        </a:blipFill>
-        <a:effectLst/>
-      </p:bgPr>
-    </p:bg>
-    <p:spTree>
-      <p:nvGrpSpPr>
-        <p:cNvPr id="1" name=""/>
-        <p:cNvGrpSpPr/>
-        <p:nvPr/>
-      </p:nvGrpSpPr>
-      <p:grpSpPr>
-        <a:xfrm>
-          <a:off x="0" y="0"/>
-          <a:ext cx="0" cy="0"/>
-          <a:chOff x="0" y="0"/>
-          <a:chExt cx="0" cy="0"/>
-        </a:xfrm>
-      </p:grpSpPr>
-      <p:sp>
-        <p:nvSpPr>
-          <p:cNvPr id="10" name="文本框 9"/>
-          <p:cNvSpPr txBox="1"/>
-          <p:nvPr/>
-        </p:nvSpPr>
-        <p:spPr>
-          <a:xfrm>
-            <a:off x="2374137" y="1884748"/>
-            <a:ext cx="4272439" cy="1084912"/>
-          </a:xfrm>
-          <a:prstGeom prst="rect">
-            <a:avLst/>
-          </a:prstGeom>
-          <a:noFill/>
-        </p:spPr>
-        <p:txBody>
-          <a:bodyPr wrap="square" lIns="68580" tIns="34290" rIns="68580" bIns="34290" rtlCol="0">
-            <a:spAutoFit/>
-          </a:bodyPr>
-          <a:lstStyle/>
-          <a:p>
-            <a:pPr algn="ctr">
-              <a:defRPr/>
-            </a:pPr>
-            <a:r>
-              <a:rPr lang="en-US" altLang="zh-CN" sz="6600" b="1" dirty="0">
-                <a:solidFill>
-                  <a:srgbClr val="1B4367"/>
-                </a:solidFill>
-                <a:cs typeface="+mn-ea"/>
-                <a:sym typeface="+mn-lt"/>
-              </a:rPr>
-              <a:t>THANKS</a:t>
-            </a:r>
-          </a:p>
-        </p:txBody>
-      </p:sp>
-    </p:spTree>
   </p:cSld>
   <p:clrMapOvr>
     <a:masterClrMapping/>

--- a/Simple introduction.pptx
+++ b/Simple introduction.pptx
@@ -225,7 +225,7 @@
           <a:p>
             <a:fld id="{0F9B84EA-7D68-4D60-9CB1-D50884785D1C}" type="datetimeFigureOut">
               <a:rPr lang="zh-CN" altLang="en-US" smtClean="0"/>
-              <a:t>2024/10/24</a:t>
+              <a:t>2025/2/24</a:t>
             </a:fld>
             <a:endParaRPr lang="zh-CN" altLang="en-US"/>
           </a:p>
@@ -390,7 +390,7 @@
           <a:p>
             <a:fld id="{D2A48B96-639E-45A3-A0BA-2464DFDB1FAA}" type="datetimeFigureOut">
               <a:rPr lang="zh-CN" altLang="en-US" smtClean="0"/>
-              <a:t>2024/10/24</a:t>
+              <a:t>2025/2/24</a:t>
             </a:fld>
             <a:endParaRPr lang="zh-CN" altLang="en-US"/>
           </a:p>
@@ -2041,7 +2041,7 @@
           <a:p>
             <a:fld id="{82F288E0-7875-42C4-84C8-98DBBD3BF4D2}" type="datetimeFigureOut">
               <a:rPr lang="zh-CN" altLang="en-US" smtClean="0"/>
-              <a:t>2024/10/24</a:t>
+              <a:t>2025/2/24</a:t>
             </a:fld>
             <a:endParaRPr lang="zh-CN" altLang="en-US"/>
           </a:p>
@@ -2195,7 +2195,7 @@
           <a:p>
             <a:fld id="{82F288E0-7875-42C4-84C8-98DBBD3BF4D2}" type="datetimeFigureOut">
               <a:rPr lang="zh-CN" altLang="en-US" smtClean="0"/>
-              <a:t>2024/10/24</a:t>
+              <a:t>2025/2/24</a:t>
             </a:fld>
             <a:endParaRPr lang="zh-CN" altLang="en-US"/>
           </a:p>
@@ -2329,7 +2329,7 @@
           <a:p>
             <a:fld id="{80F42DC0-2E3F-F440-A3AA-64F0AA1F84F2}" type="datetime1">
               <a:rPr lang="zh-CN" altLang="en-US"/>
-              <a:t>2024/10/24</a:t>
+              <a:t>2025/2/24</a:t>
             </a:fld>
             <a:endParaRPr lang="zh-CN" altLang="en-US" sz="1400">
               <a:solidFill>
@@ -2650,7 +2650,7 @@
           <a:p>
             <a:fld id="{82F288E0-7875-42C4-84C8-98DBBD3BF4D2}" type="datetimeFigureOut">
               <a:rPr lang="zh-CN" altLang="en-US" smtClean="0"/>
-              <a:t>2024/10/24</a:t>
+              <a:t>2025/2/24</a:t>
             </a:fld>
             <a:endParaRPr lang="zh-CN" altLang="en-US"/>
           </a:p>
@@ -2882,7 +2882,7 @@
           <a:p>
             <a:fld id="{82F288E0-7875-42C4-84C8-98DBBD3BF4D2}" type="datetimeFigureOut">
               <a:rPr lang="zh-CN" altLang="en-US" smtClean="0"/>
-              <a:t>2024/10/24</a:t>
+              <a:t>2025/2/24</a:t>
             </a:fld>
             <a:endParaRPr lang="zh-CN" altLang="en-US"/>
           </a:p>
@@ -3249,7 +3249,7 @@
           <a:p>
             <a:fld id="{82F288E0-7875-42C4-84C8-98DBBD3BF4D2}" type="datetimeFigureOut">
               <a:rPr lang="zh-CN" altLang="en-US" smtClean="0"/>
-              <a:t>2024/10/24</a:t>
+              <a:t>2025/2/24</a:t>
             </a:fld>
             <a:endParaRPr lang="zh-CN" altLang="en-US"/>
           </a:p>
@@ -3369,7 +3369,7 @@
           <a:p>
             <a:fld id="{82F288E0-7875-42C4-84C8-98DBBD3BF4D2}" type="datetimeFigureOut">
               <a:rPr lang="zh-CN" altLang="en-US" smtClean="0"/>
-              <a:t>2024/10/24</a:t>
+              <a:t>2025/2/24</a:t>
             </a:fld>
             <a:endParaRPr lang="zh-CN" altLang="en-US"/>
           </a:p>
@@ -3467,7 +3467,7 @@
           <a:p>
             <a:fld id="{82F288E0-7875-42C4-84C8-98DBBD3BF4D2}" type="datetimeFigureOut">
               <a:rPr lang="zh-CN" altLang="en-US" smtClean="0"/>
-              <a:t>2024/10/24</a:t>
+              <a:t>2025/2/24</a:t>
             </a:fld>
             <a:endParaRPr lang="zh-CN" altLang="en-US"/>
           </a:p>
@@ -3722,7 +3722,7 @@
           <a:p>
             <a:fld id="{82F288E0-7875-42C4-84C8-98DBBD3BF4D2}" type="datetimeFigureOut">
               <a:rPr lang="zh-CN" altLang="en-US" smtClean="0"/>
-              <a:t>2024/10/24</a:t>
+              <a:t>2025/2/24</a:t>
             </a:fld>
             <a:endParaRPr lang="zh-CN" altLang="en-US"/>
           </a:p>
@@ -3903,7 +3903,7 @@
           <a:p>
             <a:fld id="{82F288E0-7875-42C4-84C8-98DBBD3BF4D2}" type="datetimeFigureOut">
               <a:rPr lang="zh-CN" altLang="en-US" smtClean="0"/>
-              <a:t>2024/10/24</a:t>
+              <a:t>2025/2/24</a:t>
             </a:fld>
             <a:endParaRPr lang="zh-CN" altLang="en-US"/>
           </a:p>
@@ -4122,7 +4122,7 @@
           <a:p>
             <a:fld id="{82F288E0-7875-42C4-84C8-98DBBD3BF4D2}" type="datetimeFigureOut">
               <a:rPr lang="zh-CN" altLang="en-US" smtClean="0"/>
-              <a:t>2024/10/24</a:t>
+              <a:t>2025/2/24</a:t>
             </a:fld>
             <a:endParaRPr lang="zh-CN" altLang="en-US"/>
           </a:p>
